--- a/Research of GraphQL_CYann.pptx
+++ b/Research of GraphQL_CYann.pptx
@@ -278,7 +278,7 @@
           <a:p>
             <a:fld id="{66B56024-E033-460B-B461-F9C8C93C904B}" type="datetimeFigureOut">
               <a:rPr lang="zh-CN" altLang="en-US" smtClean="0"/>
-              <a:t>2017-06-11</a:t>
+              <a:t>2017-06-12</a:t>
             </a:fld>
             <a:endParaRPr lang="zh-CN" altLang="en-US"/>
           </a:p>
@@ -443,7 +443,7 @@
           <a:p>
             <a:fld id="{BD403541-C361-4440-AA44-DBB6527DDBFB}" type="datetimeFigureOut">
               <a:rPr lang="zh-CN" altLang="en-US" smtClean="0"/>
-              <a:t>2017-06-11</a:t>
+              <a:t>2017-06-12</a:t>
             </a:fld>
             <a:endParaRPr lang="zh-CN" altLang="en-US"/>
           </a:p>
@@ -22321,8 +22321,8 @@
         </p:nvSpPr>
         <p:spPr>
           <a:xfrm>
-            <a:off x="610258" y="2039949"/>
-            <a:ext cx="954108" cy="400110"/>
+            <a:off x="738498" y="1932165"/>
+            <a:ext cx="697627" cy="707886"/>
           </a:xfrm>
           <a:prstGeom prst="rect">
             <a:avLst/>
@@ -22342,7 +22342,25 @@
                 </a:solidFill>
                 <a:latin typeface="微软雅黑"/>
               </a:rPr>
-              <a:t>代码量</a:t>
+              <a:t>技术</a:t>
+            </a:r>
+            <a:endParaRPr lang="en-US" altLang="zh-CN" sz="2000" b="1" dirty="0">
+              <a:solidFill>
+                <a:srgbClr val="FF0000"/>
+              </a:solidFill>
+              <a:latin typeface="微软雅黑"/>
+            </a:endParaRPr>
+          </a:p>
+          <a:p>
+            <a:pPr lvl="0" algn="ctr"/>
+            <a:r>
+              <a:rPr lang="zh-CN" altLang="en-US" sz="2000" b="1" dirty="0">
+                <a:solidFill>
+                  <a:srgbClr val="FF0000"/>
+                </a:solidFill>
+                <a:latin typeface="微软雅黑"/>
+              </a:rPr>
+              <a:t>难度</a:t>
             </a:r>
           </a:p>
         </p:txBody>
@@ -22408,8 +22426,8 @@
         </p:nvSpPr>
         <p:spPr>
           <a:xfrm>
-            <a:off x="4314597" y="2810270"/>
-            <a:ext cx="746230" cy="461665"/>
+            <a:off x="4184956" y="2822355"/>
+            <a:ext cx="954108" cy="400110"/>
           </a:xfrm>
           <a:prstGeom prst="rect">
             <a:avLst/>
@@ -22423,32 +22441,14 @@
           <a:p>
             <a:pPr lvl="0" algn="ctr"/>
             <a:r>
-              <a:rPr lang="en-US" altLang="zh-CN" sz="1200" b="1" dirty="0">
+              <a:rPr lang="zh-CN" altLang="en-US" sz="2000" b="1" dirty="0">
                 <a:solidFill>
                   <a:srgbClr val="BF3420"/>
                 </a:solidFill>
                 <a:latin typeface="微软雅黑"/>
               </a:rPr>
-              <a:t>LOREM</a:t>
-            </a:r>
-          </a:p>
-          <a:p>
-            <a:pPr lvl="0" algn="ctr"/>
-            <a:r>
-              <a:rPr lang="en-US" altLang="zh-CN" sz="1200" b="1" dirty="0">
-                <a:solidFill>
-                  <a:srgbClr val="BF3420"/>
-                </a:solidFill>
-                <a:latin typeface="微软雅黑"/>
-              </a:rPr>
-              <a:t>IPSUM</a:t>
-            </a:r>
-            <a:endParaRPr lang="zh-CN" altLang="en-US" sz="1200" b="1" dirty="0">
-              <a:solidFill>
-                <a:srgbClr val="BF3420"/>
-              </a:solidFill>
-              <a:latin typeface="微软雅黑"/>
-            </a:endParaRPr>
+              <a:t>工作量</a:t>
+            </a:r>
           </a:p>
         </p:txBody>
       </p:sp>
@@ -22513,8 +22513,8 @@
         </p:nvSpPr>
         <p:spPr>
           <a:xfrm>
-            <a:off x="714197" y="3563720"/>
-            <a:ext cx="746230" cy="461665"/>
+            <a:off x="722060" y="3430580"/>
+            <a:ext cx="697627" cy="707886"/>
           </a:xfrm>
           <a:prstGeom prst="rect">
             <a:avLst/>
@@ -22528,32 +22528,32 @@
           <a:p>
             <a:pPr lvl="0" algn="ctr"/>
             <a:r>
-              <a:rPr lang="en-US" altLang="zh-CN" sz="1200" b="1">
+              <a:rPr lang="zh-CN" altLang="en-US" sz="2000" b="1" dirty="0">
                 <a:solidFill>
                   <a:srgbClr val="FF0000"/>
                 </a:solidFill>
                 <a:latin typeface="微软雅黑"/>
               </a:rPr>
-              <a:t>LOREM</a:t>
-            </a:r>
-          </a:p>
-          <a:p>
-            <a:pPr lvl="0" algn="ctr"/>
-            <a:r>
-              <a:rPr lang="en-US" altLang="zh-CN" sz="1200" b="1">
-                <a:solidFill>
-                  <a:srgbClr val="FF0000"/>
-                </a:solidFill>
-                <a:latin typeface="微软雅黑"/>
-              </a:rPr>
-              <a:t>IPSUM</a:t>
-            </a:r>
-            <a:endParaRPr lang="zh-CN" altLang="en-US" sz="1200" b="1">
+              <a:t>自我</a:t>
+            </a:r>
+            <a:endParaRPr lang="en-US" altLang="zh-CN" sz="2000" b="1" dirty="0">
               <a:solidFill>
                 <a:srgbClr val="FF0000"/>
               </a:solidFill>
               <a:latin typeface="微软雅黑"/>
             </a:endParaRPr>
+          </a:p>
+          <a:p>
+            <a:pPr lvl="0" algn="ctr"/>
+            <a:r>
+              <a:rPr lang="zh-CN" altLang="en-US" sz="2000" b="1" dirty="0">
+                <a:solidFill>
+                  <a:srgbClr val="FF0000"/>
+                </a:solidFill>
+                <a:latin typeface="微软雅黑"/>
+              </a:rPr>
+              <a:t>评价</a:t>
+            </a:r>
           </a:p>
         </p:txBody>
       </p:sp>
@@ -22627,8 +22627,8 @@
         </p:nvSpPr>
         <p:spPr>
           <a:xfrm>
-            <a:off x="1601670" y="3494470"/>
-            <a:ext cx="2193018" cy="600164"/>
+            <a:off x="1601669" y="3494470"/>
+            <a:ext cx="4185465" cy="600164"/>
           </a:xfrm>
           <a:prstGeom prst="rect">
             <a:avLst/>
@@ -22646,7 +22646,7 @@
               </a:lnSpc>
             </a:pPr>
             <a:r>
-              <a:rPr lang="en-US" altLang="zh-CN" sz="1100" err="1">
+              <a:rPr lang="zh-CN" altLang="en-US" sz="1100" dirty="0">
                 <a:solidFill>
                   <a:schemeClr val="tx1">
                     <a:lumMod val="65000"/>
@@ -22655,10 +22655,10 @@
                 </a:solidFill>
                 <a:latin typeface="+mn-ea"/>
               </a:rPr>
-              <a:t>Lorem</a:t>
-            </a:r>
-            <a:r>
-              <a:rPr lang="en-US" altLang="zh-CN" sz="1100">
+              <a:t>整个研究下来，参考了很多博主对于</a:t>
+            </a:r>
+            <a:r>
+              <a:rPr lang="en-US" altLang="zh-CN" sz="1100" dirty="0" err="1">
                 <a:solidFill>
                   <a:schemeClr val="tx1">
                     <a:lumMod val="65000"/>
@@ -22667,10 +22667,10 @@
                 </a:solidFill>
                 <a:latin typeface="+mn-ea"/>
               </a:rPr>
-              <a:t> </a:t>
-            </a:r>
-            <a:r>
-              <a:rPr lang="en-US" altLang="zh-CN" sz="1100" err="1">
+              <a:t>GraphQL</a:t>
+            </a:r>
+            <a:r>
+              <a:rPr lang="zh-CN" altLang="en-US" sz="1100" dirty="0">
                 <a:solidFill>
                   <a:schemeClr val="tx1">
                     <a:lumMod val="65000"/>
@@ -22679,29 +22679,8 @@
                 </a:solidFill>
                 <a:latin typeface="+mn-ea"/>
               </a:rPr>
-              <a:t>Ipsum</a:t>
-            </a:r>
-            <a:r>
-              <a:rPr lang="en-US" altLang="zh-CN" sz="1100">
-                <a:solidFill>
-                  <a:schemeClr val="tx1">
-                    <a:lumMod val="65000"/>
-                    <a:lumOff val="35000"/>
-                  </a:schemeClr>
-                </a:solidFill>
-                <a:latin typeface="+mn-ea"/>
-              </a:rPr>
-              <a:t> Dolor Sit Consectetaur Cillium Pecu.</a:t>
-            </a:r>
-            <a:endParaRPr lang="zh-CN" altLang="en-US" sz="1100">
-              <a:solidFill>
-                <a:schemeClr val="tx1">
-                  <a:lumMod val="65000"/>
-                  <a:lumOff val="35000"/>
-                </a:schemeClr>
-              </a:solidFill>
-              <a:latin typeface="+mn-ea"/>
-            </a:endParaRPr>
+              <a:t>概念的定义，也有参考官方文档的解释，一路下来，学到很多。</a:t>
+            </a:r>
           </a:p>
         </p:txBody>
       </p:sp>
@@ -22713,8 +22692,8 @@
         </p:nvSpPr>
         <p:spPr>
           <a:xfrm>
-            <a:off x="1973937" y="2721546"/>
-            <a:ext cx="2193018" cy="570284"/>
+            <a:off x="738498" y="2721546"/>
+            <a:ext cx="3428457" cy="700576"/>
           </a:xfrm>
           <a:prstGeom prst="rect">
             <a:avLst/>
@@ -22732,7 +22711,7 @@
               </a:lnSpc>
             </a:pPr>
             <a:r>
-              <a:rPr lang="en-US" altLang="zh-CN" sz="1100" dirty="0">
+              <a:rPr lang="zh-CN" altLang="en-US" sz="1400" dirty="0">
                 <a:solidFill>
                   <a:schemeClr val="tx1">
                     <a:lumMod val="65000"/>
@@ -22741,10 +22720,10 @@
                 </a:solidFill>
                 <a:latin typeface="+mn-ea"/>
               </a:rPr>
-              <a:t>Lorem Ipsum Dolor Sit </a:t>
-            </a:r>
-            <a:r>
-              <a:rPr lang="en-US" altLang="zh-CN" sz="1100" dirty="0" err="1">
+              <a:t>大多是外文文献，翻译和总结上的工作量不少</a:t>
+            </a:r>
+            <a:r>
+              <a:rPr lang="en-US" altLang="zh-CN" sz="1400" dirty="0">
                 <a:solidFill>
                   <a:schemeClr val="tx1">
                     <a:lumMod val="65000"/>
@@ -22753,69 +22732,9 @@
                 </a:solidFill>
                 <a:latin typeface="+mn-ea"/>
               </a:rPr>
-              <a:t>Consectetaur</a:t>
-            </a:r>
-            <a:r>
-              <a:rPr lang="en-US" altLang="zh-CN" sz="1100" dirty="0">
-                <a:solidFill>
-                  <a:schemeClr val="tx1">
-                    <a:lumMod val="65000"/>
-                    <a:lumOff val="35000"/>
-                  </a:schemeClr>
-                </a:solidFill>
-                <a:latin typeface="+mn-ea"/>
-              </a:rPr>
-              <a:t> </a:t>
-            </a:r>
-            <a:r>
-              <a:rPr lang="en-US" altLang="zh-CN" sz="1100" dirty="0" err="1">
-                <a:solidFill>
-                  <a:schemeClr val="tx1">
-                    <a:lumMod val="65000"/>
-                    <a:lumOff val="35000"/>
-                  </a:schemeClr>
-                </a:solidFill>
-                <a:latin typeface="+mn-ea"/>
-              </a:rPr>
-              <a:t>Cillium</a:t>
-            </a:r>
-            <a:r>
-              <a:rPr lang="en-US" altLang="zh-CN" sz="1100" dirty="0">
-                <a:solidFill>
-                  <a:schemeClr val="tx1">
-                    <a:lumMod val="65000"/>
-                    <a:lumOff val="35000"/>
-                  </a:schemeClr>
-                </a:solidFill>
-                <a:latin typeface="+mn-ea"/>
-              </a:rPr>
-              <a:t> </a:t>
-            </a:r>
-            <a:r>
-              <a:rPr lang="en-US" altLang="zh-CN" sz="1100" dirty="0" err="1">
-                <a:solidFill>
-                  <a:schemeClr val="tx1">
-                    <a:lumMod val="65000"/>
-                    <a:lumOff val="35000"/>
-                  </a:schemeClr>
-                </a:solidFill>
-                <a:latin typeface="+mn-ea"/>
-              </a:rPr>
-              <a:t>Pecu</a:t>
-            </a:r>
-            <a:r>
-              <a:rPr lang="en-US" altLang="zh-CN" sz="1100" dirty="0">
-                <a:solidFill>
-                  <a:schemeClr val="tx1">
-                    <a:lumMod val="65000"/>
-                    <a:lumOff val="35000"/>
-                  </a:schemeClr>
-                </a:solidFill>
-                <a:latin typeface="+mn-ea"/>
-              </a:rPr>
-              <a:t>.</a:t>
-            </a:r>
-            <a:endParaRPr lang="zh-CN" altLang="en-US" sz="1100" dirty="0">
+              <a:t>[ 4 / 5].</a:t>
+            </a:r>
+            <a:endParaRPr lang="zh-CN" altLang="en-US" sz="1400" dirty="0">
               <a:solidFill>
                 <a:schemeClr val="tx1">
                   <a:lumMod val="65000"/>
